--- a/ideas.pptx
+++ b/ideas.pptx
@@ -5,7 +5,8 @@
     <p:sldMasterId id="2147483648" r:id="rId1"/>
   </p:sldMasterIdLst>
   <p:sldIdLst>
-    <p:sldId id="256" r:id="rId2"/>
+    <p:sldId id="257" r:id="rId2"/>
+    <p:sldId id="258" r:id="rId3"/>
   </p:sldIdLst>
   <p:sldSz cx="12192000" cy="6858000"/>
   <p:notesSz cx="6858000" cy="9144000"/>
@@ -2971,41 +2972,541 @@
             <a:spLocks noGrp="1"/>
           </p:cNvSpPr>
           <p:nvPr>
-            <p:ph type="ctrTitle"/>
-          </p:nvPr>
-        </p:nvSpPr>
-        <p:spPr/>
-        <p:txBody>
-          <a:bodyPr/>
-          <a:lstStyle/>
-          <a:p>
-            <a:endParaRPr lang="en-AU"/>
-          </a:p>
-        </p:txBody>
-      </p:sp>
-      <p:sp>
-        <p:nvSpPr>
-          <p:cNvPr id="3" name="Subtitle 2"/>
-          <p:cNvSpPr>
-            <a:spLocks noGrp="1"/>
-          </p:cNvSpPr>
-          <p:nvPr>
-            <p:ph type="subTitle" idx="1"/>
-          </p:nvPr>
-        </p:nvSpPr>
-        <p:spPr/>
-        <p:txBody>
-          <a:bodyPr/>
-          <a:lstStyle/>
-          <a:p>
-            <a:endParaRPr lang="en-AU"/>
+            <p:ph type="title"/>
+          </p:nvPr>
+        </p:nvSpPr>
+        <p:spPr/>
+        <p:txBody>
+          <a:bodyPr/>
+          <a:lstStyle/>
+          <a:p>
+            <a:endParaRPr lang="en-AU" dirty="0"/>
+          </a:p>
+        </p:txBody>
+      </p:sp>
+      <p:sp>
+        <p:nvSpPr>
+          <p:cNvPr id="3" name="Content Placeholder 2"/>
+          <p:cNvSpPr>
+            <a:spLocks noGrp="1"/>
+          </p:cNvSpPr>
+          <p:nvPr>
+            <p:ph idx="1"/>
+          </p:nvPr>
+        </p:nvSpPr>
+        <p:spPr/>
+        <p:txBody>
+          <a:bodyPr/>
+          <a:lstStyle/>
+          <a:p>
+            <a:endParaRPr lang="en-AU"/>
+          </a:p>
+        </p:txBody>
+      </p:sp>
+      <p:pic>
+        <p:nvPicPr>
+          <p:cNvPr id="5" name="Picture 4"/>
+          <p:cNvPicPr>
+            <a:picLocks noChangeAspect="1"/>
+          </p:cNvPicPr>
+          <p:nvPr/>
+        </p:nvPicPr>
+        <p:blipFill>
+          <a:blip r:embed="rId2"/>
+          <a:stretch>
+            <a:fillRect/>
+          </a:stretch>
+        </p:blipFill>
+        <p:spPr>
+          <a:xfrm>
+            <a:off x="0" y="0"/>
+            <a:ext cx="12170599" cy="5807680"/>
+          </a:xfrm>
+          <a:prstGeom prst="rect">
+            <a:avLst/>
+          </a:prstGeom>
+        </p:spPr>
+      </p:pic>
+      <p:sp>
+        <p:nvSpPr>
+          <p:cNvPr id="6" name="TextBox 5"/>
+          <p:cNvSpPr txBox="1"/>
+          <p:nvPr/>
+        </p:nvSpPr>
+        <p:spPr>
+          <a:xfrm>
+            <a:off x="2282572" y="658574"/>
+            <a:ext cx="1910331" cy="369332"/>
+          </a:xfrm>
+          <a:prstGeom prst="rect">
+            <a:avLst/>
+          </a:prstGeom>
+          <a:noFill/>
+        </p:spPr>
+        <p:txBody>
+          <a:bodyPr wrap="none" rtlCol="0">
+            <a:spAutoFit/>
+          </a:bodyPr>
+          <a:lstStyle/>
+          <a:p>
+            <a:r>
+              <a:rPr lang="en-AU" dirty="0" smtClean="0"/>
+              <a:t>Number of tippers</a:t>
+            </a:r>
+            <a:endParaRPr lang="en-AU" dirty="0"/>
+          </a:p>
+        </p:txBody>
+      </p:sp>
+      <p:sp>
+        <p:nvSpPr>
+          <p:cNvPr id="7" name="TextBox 6"/>
+          <p:cNvSpPr txBox="1"/>
+          <p:nvPr/>
+        </p:nvSpPr>
+        <p:spPr>
+          <a:xfrm>
+            <a:off x="5346700" y="658574"/>
+            <a:ext cx="2790572" cy="369332"/>
+          </a:xfrm>
+          <a:prstGeom prst="rect">
+            <a:avLst/>
+          </a:prstGeom>
+          <a:noFill/>
+        </p:spPr>
+        <p:txBody>
+          <a:bodyPr wrap="none" rtlCol="0">
+            <a:spAutoFit/>
+          </a:bodyPr>
+          <a:lstStyle/>
+          <a:p>
+            <a:r>
+              <a:rPr lang="en-AU" dirty="0" smtClean="0"/>
+              <a:t>Total number of tips correct</a:t>
+            </a:r>
+            <a:endParaRPr lang="en-AU" dirty="0"/>
+          </a:p>
+        </p:txBody>
+      </p:sp>
+      <p:sp>
+        <p:nvSpPr>
+          <p:cNvPr id="8" name="TextBox 7"/>
+          <p:cNvSpPr txBox="1"/>
+          <p:nvPr/>
+        </p:nvSpPr>
+        <p:spPr>
+          <a:xfrm>
+            <a:off x="4146903" y="2534508"/>
+            <a:ext cx="2509020" cy="646331"/>
+          </a:xfrm>
+          <a:prstGeom prst="rect">
+            <a:avLst/>
+          </a:prstGeom>
+          <a:noFill/>
+        </p:spPr>
+        <p:txBody>
+          <a:bodyPr wrap="none" rtlCol="0">
+            <a:spAutoFit/>
+          </a:bodyPr>
+          <a:lstStyle/>
+          <a:p>
+            <a:r>
+              <a:rPr lang="en-AU" dirty="0" smtClean="0"/>
+              <a:t>Number of weeks on top</a:t>
+            </a:r>
+          </a:p>
+          <a:p>
+            <a:endParaRPr lang="en-AU" dirty="0"/>
+          </a:p>
+        </p:txBody>
+      </p:sp>
+      <p:pic>
+        <p:nvPicPr>
+          <p:cNvPr id="9" name="Picture 8"/>
+          <p:cNvPicPr>
+            <a:picLocks noChangeAspect="1"/>
+          </p:cNvPicPr>
+          <p:nvPr/>
+        </p:nvPicPr>
+        <p:blipFill rotWithShape="1">
+          <a:blip r:embed="rId2"/>
+          <a:srcRect l="12659" t="23481" r="15235" b="25787"/>
+          <a:stretch/>
+        </p:blipFill>
+        <p:spPr>
+          <a:xfrm>
+            <a:off x="1498600" y="4543982"/>
+            <a:ext cx="8775700" cy="2946401"/>
+          </a:xfrm>
+          <a:prstGeom prst="rect">
+            <a:avLst/>
+          </a:prstGeom>
+        </p:spPr>
+      </p:pic>
+      <p:sp>
+        <p:nvSpPr>
+          <p:cNvPr id="10" name="TextBox 9"/>
+          <p:cNvSpPr txBox="1"/>
+          <p:nvPr/>
+        </p:nvSpPr>
+        <p:spPr>
+          <a:xfrm>
+            <a:off x="4089753" y="5694016"/>
+            <a:ext cx="2888868" cy="646331"/>
+          </a:xfrm>
+          <a:prstGeom prst="rect">
+            <a:avLst/>
+          </a:prstGeom>
+          <a:noFill/>
+        </p:spPr>
+        <p:txBody>
+          <a:bodyPr wrap="none" rtlCol="0">
+            <a:spAutoFit/>
+          </a:bodyPr>
+          <a:lstStyle/>
+          <a:p>
+            <a:r>
+              <a:rPr lang="en-AU" dirty="0" smtClean="0"/>
+              <a:t>Number of weeks on bottom</a:t>
+            </a:r>
+          </a:p>
+          <a:p>
+            <a:endParaRPr lang="en-AU" dirty="0"/>
+          </a:p>
+        </p:txBody>
+      </p:sp>
+      <p:sp>
+        <p:nvSpPr>
+          <p:cNvPr id="11" name="TextBox 10"/>
+          <p:cNvSpPr txBox="1"/>
+          <p:nvPr/>
+        </p:nvSpPr>
+        <p:spPr>
+          <a:xfrm>
+            <a:off x="8971628" y="633196"/>
+            <a:ext cx="2319418" cy="369332"/>
+          </a:xfrm>
+          <a:prstGeom prst="rect">
+            <a:avLst/>
+          </a:prstGeom>
+          <a:noFill/>
+        </p:spPr>
+        <p:txBody>
+          <a:bodyPr wrap="none" rtlCol="0">
+            <a:spAutoFit/>
+          </a:bodyPr>
+          <a:lstStyle/>
+          <a:p>
+            <a:r>
+              <a:rPr lang="en-AU" dirty="0" smtClean="0"/>
+              <a:t>Average tips per round</a:t>
+            </a:r>
+            <a:endParaRPr lang="en-AU" dirty="0"/>
           </a:p>
         </p:txBody>
       </p:sp>
     </p:spTree>
     <p:extLst>
       <p:ext uri="{BB962C8B-B14F-4D97-AF65-F5344CB8AC3E}">
-        <p14:creationId xmlns:p14="http://schemas.microsoft.com/office/powerpoint/2010/main" val="816601537"/>
+        <p14:creationId xmlns:p14="http://schemas.microsoft.com/office/powerpoint/2010/main" val="3241688780"/>
+      </p:ext>
+    </p:extLst>
+  </p:cSld>
+  <p:clrMapOvr>
+    <a:masterClrMapping/>
+  </p:clrMapOvr>
+</p:sld>
+</file>
+
+<file path=ppt/slides/slide2.xml><?xml version="1.0" encoding="utf-8"?>
+<p:sld xmlns:a="http://schemas.openxmlformats.org/drawingml/2006/main" xmlns:r="http://schemas.openxmlformats.org/officeDocument/2006/relationships" xmlns:p="http://schemas.openxmlformats.org/presentationml/2006/main">
+  <p:cSld>
+    <p:spTree>
+      <p:nvGrpSpPr>
+        <p:cNvPr id="1" name=""/>
+        <p:cNvGrpSpPr/>
+        <p:nvPr/>
+      </p:nvGrpSpPr>
+      <p:grpSpPr>
+        <a:xfrm>
+          <a:off x="0" y="0"/>
+          <a:ext cx="0" cy="0"/>
+          <a:chOff x="0" y="0"/>
+          <a:chExt cx="0" cy="0"/>
+        </a:xfrm>
+      </p:grpSpPr>
+      <p:sp>
+        <p:nvSpPr>
+          <p:cNvPr id="2" name="Title 1"/>
+          <p:cNvSpPr>
+            <a:spLocks noGrp="1"/>
+          </p:cNvSpPr>
+          <p:nvPr>
+            <p:ph type="title"/>
+          </p:nvPr>
+        </p:nvSpPr>
+        <p:spPr/>
+        <p:txBody>
+          <a:bodyPr/>
+          <a:lstStyle/>
+          <a:p>
+            <a:r>
+              <a:rPr lang="en-AU" dirty="0" smtClean="0"/>
+              <a:t>Per person</a:t>
+            </a:r>
+            <a:endParaRPr lang="en-AU" dirty="0"/>
+          </a:p>
+        </p:txBody>
+      </p:sp>
+      <p:sp>
+        <p:nvSpPr>
+          <p:cNvPr id="3" name="Content Placeholder 2"/>
+          <p:cNvSpPr>
+            <a:spLocks noGrp="1"/>
+          </p:cNvSpPr>
+          <p:nvPr>
+            <p:ph idx="1"/>
+          </p:nvPr>
+        </p:nvSpPr>
+        <p:spPr/>
+        <p:txBody>
+          <a:bodyPr/>
+          <a:lstStyle/>
+          <a:p>
+            <a:endParaRPr lang="en-AU"/>
+          </a:p>
+        </p:txBody>
+      </p:sp>
+      <p:pic>
+        <p:nvPicPr>
+          <p:cNvPr id="4" name="Picture 3"/>
+          <p:cNvPicPr>
+            <a:picLocks noChangeAspect="1"/>
+          </p:cNvPicPr>
+          <p:nvPr/>
+        </p:nvPicPr>
+        <p:blipFill>
+          <a:blip r:embed="rId2"/>
+          <a:stretch>
+            <a:fillRect/>
+          </a:stretch>
+        </p:blipFill>
+        <p:spPr>
+          <a:xfrm>
+            <a:off x="838200" y="2066925"/>
+            <a:ext cx="10299700" cy="4914907"/>
+          </a:xfrm>
+          <a:prstGeom prst="rect">
+            <a:avLst/>
+          </a:prstGeom>
+        </p:spPr>
+      </p:pic>
+      <p:pic>
+        <p:nvPicPr>
+          <p:cNvPr id="6" name="Picture 5"/>
+          <p:cNvPicPr>
+            <a:picLocks noChangeAspect="1"/>
+          </p:cNvPicPr>
+          <p:nvPr/>
+        </p:nvPicPr>
+        <p:blipFill rotWithShape="1">
+          <a:blip r:embed="rId2"/>
+          <a:srcRect t="78101"/>
+          <a:stretch/>
+        </p:blipFill>
+        <p:spPr>
+          <a:xfrm>
+            <a:off x="787401" y="1415257"/>
+            <a:ext cx="10299700" cy="1076332"/>
+          </a:xfrm>
+          <a:prstGeom prst="rect">
+            <a:avLst/>
+          </a:prstGeom>
+        </p:spPr>
+      </p:pic>
+      <p:sp>
+        <p:nvSpPr>
+          <p:cNvPr id="7" name="TextBox 6"/>
+          <p:cNvSpPr txBox="1"/>
+          <p:nvPr/>
+        </p:nvSpPr>
+        <p:spPr>
+          <a:xfrm>
+            <a:off x="2117472" y="1690688"/>
+            <a:ext cx="1664238" cy="369332"/>
+          </a:xfrm>
+          <a:prstGeom prst="rect">
+            <a:avLst/>
+          </a:prstGeom>
+          <a:noFill/>
+        </p:spPr>
+        <p:txBody>
+          <a:bodyPr wrap="none" rtlCol="0">
+            <a:spAutoFit/>
+          </a:bodyPr>
+          <a:lstStyle/>
+          <a:p>
+            <a:r>
+              <a:rPr lang="en-AU" dirty="0" smtClean="0"/>
+              <a:t>Choose a tipper</a:t>
+            </a:r>
+            <a:endParaRPr lang="en-AU" dirty="0"/>
+          </a:p>
+        </p:txBody>
+      </p:sp>
+      <p:sp>
+        <p:nvSpPr>
+          <p:cNvPr id="8" name="TextBox 7"/>
+          <p:cNvSpPr txBox="1"/>
+          <p:nvPr/>
+        </p:nvSpPr>
+        <p:spPr>
+          <a:xfrm>
+            <a:off x="2561972" y="2556154"/>
+            <a:ext cx="2313775" cy="369332"/>
+          </a:xfrm>
+          <a:prstGeom prst="rect">
+            <a:avLst/>
+          </a:prstGeom>
+          <a:noFill/>
+        </p:spPr>
+        <p:txBody>
+          <a:bodyPr wrap="none" rtlCol="0">
+            <a:spAutoFit/>
+          </a:bodyPr>
+          <a:lstStyle/>
+          <a:p>
+            <a:r>
+              <a:rPr lang="en-AU" dirty="0" smtClean="0"/>
+              <a:t>Number of tips correct</a:t>
+            </a:r>
+            <a:endParaRPr lang="en-AU" dirty="0"/>
+          </a:p>
+        </p:txBody>
+      </p:sp>
+      <p:sp>
+        <p:nvSpPr>
+          <p:cNvPr id="9" name="TextBox 8"/>
+          <p:cNvSpPr txBox="1"/>
+          <p:nvPr/>
+        </p:nvSpPr>
+        <p:spPr>
+          <a:xfrm>
+            <a:off x="5267072" y="2626526"/>
+            <a:ext cx="1344407" cy="369332"/>
+          </a:xfrm>
+          <a:prstGeom prst="rect">
+            <a:avLst/>
+          </a:prstGeom>
+          <a:noFill/>
+        </p:spPr>
+        <p:txBody>
+          <a:bodyPr wrap="none" rtlCol="0">
+            <a:spAutoFit/>
+          </a:bodyPr>
+          <a:lstStyle/>
+          <a:p>
+            <a:r>
+              <a:rPr lang="en-AU" dirty="0" smtClean="0"/>
+              <a:t>Total margin</a:t>
+            </a:r>
+            <a:endParaRPr lang="en-AU" dirty="0"/>
+          </a:p>
+        </p:txBody>
+      </p:sp>
+      <p:sp>
+        <p:nvSpPr>
+          <p:cNvPr id="10" name="TextBox 9"/>
+          <p:cNvSpPr txBox="1"/>
+          <p:nvPr/>
+        </p:nvSpPr>
+        <p:spPr>
+          <a:xfrm>
+            <a:off x="8797672" y="2556154"/>
+            <a:ext cx="1926233" cy="369332"/>
+          </a:xfrm>
+          <a:prstGeom prst="rect">
+            <a:avLst/>
+          </a:prstGeom>
+          <a:noFill/>
+        </p:spPr>
+        <p:txBody>
+          <a:bodyPr wrap="none" rtlCol="0">
+            <a:spAutoFit/>
+          </a:bodyPr>
+          <a:lstStyle/>
+          <a:p>
+            <a:r>
+              <a:rPr lang="en-AU" dirty="0" smtClean="0"/>
+              <a:t>Average per round</a:t>
+            </a:r>
+            <a:endParaRPr lang="en-AU" dirty="0"/>
+          </a:p>
+        </p:txBody>
+      </p:sp>
+      <p:pic>
+        <p:nvPicPr>
+          <p:cNvPr id="11" name="Picture 10"/>
+          <p:cNvPicPr>
+            <a:picLocks noChangeAspect="1"/>
+          </p:cNvPicPr>
+          <p:nvPr/>
+        </p:nvPicPr>
+        <p:blipFill>
+          <a:blip r:embed="rId3"/>
+          <a:stretch>
+            <a:fillRect/>
+          </a:stretch>
+        </p:blipFill>
+        <p:spPr>
+          <a:xfrm>
+            <a:off x="2117471" y="3130795"/>
+            <a:ext cx="8969629" cy="3618275"/>
+          </a:xfrm>
+          <a:prstGeom prst="rect">
+            <a:avLst/>
+          </a:prstGeom>
+        </p:spPr>
+      </p:pic>
+      <p:sp>
+        <p:nvSpPr>
+          <p:cNvPr id="12" name="TextBox 11"/>
+          <p:cNvSpPr txBox="1"/>
+          <p:nvPr/>
+        </p:nvSpPr>
+        <p:spPr>
+          <a:xfrm>
+            <a:off x="3108072" y="4001294"/>
+            <a:ext cx="5327869" cy="646331"/>
+          </a:xfrm>
+          <a:prstGeom prst="rect">
+            <a:avLst/>
+          </a:prstGeom>
+          <a:noFill/>
+        </p:spPr>
+        <p:txBody>
+          <a:bodyPr wrap="none" rtlCol="0">
+            <a:spAutoFit/>
+          </a:bodyPr>
+          <a:lstStyle/>
+          <a:p>
+            <a:r>
+              <a:rPr lang="en-AU" dirty="0" smtClean="0"/>
+              <a:t>Line graph of tips per week compared to everyone else</a:t>
+            </a:r>
+          </a:p>
+          <a:p>
+            <a:r>
+              <a:rPr lang="en-AU" dirty="0" smtClean="0"/>
+              <a:t>Like a snake in the game</a:t>
+            </a:r>
+            <a:endParaRPr lang="en-AU" dirty="0"/>
+          </a:p>
+        </p:txBody>
+      </p:sp>
+    </p:spTree>
+    <p:extLst>
+      <p:ext uri="{BB962C8B-B14F-4D97-AF65-F5344CB8AC3E}">
+        <p14:creationId xmlns:p14="http://schemas.microsoft.com/office/powerpoint/2010/main" val="2064314632"/>
       </p:ext>
     </p:extLst>
   </p:cSld>

--- a/ideas.pptx
+++ b/ideas.pptx
@@ -105,6 +105,11 @@
       </a:defRPr>
     </a:lvl9pPr>
   </p:defaultTextStyle>
+  <p:extLst>
+    <p:ext uri="{EFAFB233-063F-42B5-8137-9DF3F51BA10A}">
+      <p15:sldGuideLst xmlns:p15="http://schemas.microsoft.com/office/powerpoint/2012/main"/>
+    </p:ext>
+  </p:extLst>
 </p:presentation>
 </file>
 
@@ -239,7 +244,7 @@
           <a:p>
             <a:fld id="{EFE167E9-AE1E-4A85-B69C-19FD4CC53B25}" type="datetimeFigureOut">
               <a:rPr lang="en-AU" smtClean="0"/>
-              <a:t>20/08/21</a:t>
+              <a:t>29/08/2021</a:t>
             </a:fld>
             <a:endParaRPr lang="en-AU"/>
           </a:p>
@@ -409,7 +414,7 @@
           <a:p>
             <a:fld id="{EFE167E9-AE1E-4A85-B69C-19FD4CC53B25}" type="datetimeFigureOut">
               <a:rPr lang="en-AU" smtClean="0"/>
-              <a:t>20/08/21</a:t>
+              <a:t>29/08/2021</a:t>
             </a:fld>
             <a:endParaRPr lang="en-AU"/>
           </a:p>
@@ -589,7 +594,7 @@
           <a:p>
             <a:fld id="{EFE167E9-AE1E-4A85-B69C-19FD4CC53B25}" type="datetimeFigureOut">
               <a:rPr lang="en-AU" smtClean="0"/>
-              <a:t>20/08/21</a:t>
+              <a:t>29/08/2021</a:t>
             </a:fld>
             <a:endParaRPr lang="en-AU"/>
           </a:p>
@@ -759,7 +764,7 @@
           <a:p>
             <a:fld id="{EFE167E9-AE1E-4A85-B69C-19FD4CC53B25}" type="datetimeFigureOut">
               <a:rPr lang="en-AU" smtClean="0"/>
-              <a:t>20/08/21</a:t>
+              <a:t>29/08/2021</a:t>
             </a:fld>
             <a:endParaRPr lang="en-AU"/>
           </a:p>
@@ -1005,7 +1010,7 @@
           <a:p>
             <a:fld id="{EFE167E9-AE1E-4A85-B69C-19FD4CC53B25}" type="datetimeFigureOut">
               <a:rPr lang="en-AU" smtClean="0"/>
-              <a:t>20/08/21</a:t>
+              <a:t>29/08/2021</a:t>
             </a:fld>
             <a:endParaRPr lang="en-AU"/>
           </a:p>
@@ -1237,7 +1242,7 @@
           <a:p>
             <a:fld id="{EFE167E9-AE1E-4A85-B69C-19FD4CC53B25}" type="datetimeFigureOut">
               <a:rPr lang="en-AU" smtClean="0"/>
-              <a:t>20/08/21</a:t>
+              <a:t>29/08/2021</a:t>
             </a:fld>
             <a:endParaRPr lang="en-AU"/>
           </a:p>
@@ -1604,7 +1609,7 @@
           <a:p>
             <a:fld id="{EFE167E9-AE1E-4A85-B69C-19FD4CC53B25}" type="datetimeFigureOut">
               <a:rPr lang="en-AU" smtClean="0"/>
-              <a:t>20/08/21</a:t>
+              <a:t>29/08/2021</a:t>
             </a:fld>
             <a:endParaRPr lang="en-AU"/>
           </a:p>
@@ -1722,7 +1727,7 @@
           <a:p>
             <a:fld id="{EFE167E9-AE1E-4A85-B69C-19FD4CC53B25}" type="datetimeFigureOut">
               <a:rPr lang="en-AU" smtClean="0"/>
-              <a:t>20/08/21</a:t>
+              <a:t>29/08/2021</a:t>
             </a:fld>
             <a:endParaRPr lang="en-AU"/>
           </a:p>
@@ -1817,7 +1822,7 @@
           <a:p>
             <a:fld id="{EFE167E9-AE1E-4A85-B69C-19FD4CC53B25}" type="datetimeFigureOut">
               <a:rPr lang="en-AU" smtClean="0"/>
-              <a:t>20/08/21</a:t>
+              <a:t>29/08/2021</a:t>
             </a:fld>
             <a:endParaRPr lang="en-AU"/>
           </a:p>
@@ -2094,7 +2099,7 @@
           <a:p>
             <a:fld id="{EFE167E9-AE1E-4A85-B69C-19FD4CC53B25}" type="datetimeFigureOut">
               <a:rPr lang="en-AU" smtClean="0"/>
-              <a:t>20/08/21</a:t>
+              <a:t>29/08/2021</a:t>
             </a:fld>
             <a:endParaRPr lang="en-AU"/>
           </a:p>
@@ -2347,7 +2352,7 @@
           <a:p>
             <a:fld id="{EFE167E9-AE1E-4A85-B69C-19FD4CC53B25}" type="datetimeFigureOut">
               <a:rPr lang="en-AU" smtClean="0"/>
-              <a:t>20/08/21</a:t>
+              <a:t>29/08/2021</a:t>
             </a:fld>
             <a:endParaRPr lang="en-AU"/>
           </a:p>
@@ -2560,7 +2565,7 @@
           <a:p>
             <a:fld id="{EFE167E9-AE1E-4A85-B69C-19FD4CC53B25}" type="datetimeFigureOut">
               <a:rPr lang="en-AU" smtClean="0"/>
-              <a:t>20/08/21</a:t>
+              <a:t>29/08/2021</a:t>
             </a:fld>
             <a:endParaRPr lang="en-AU"/>
           </a:p>
@@ -3204,6 +3209,36 @@
           </a:p>
         </p:txBody>
       </p:sp>
+      <p:sp>
+        <p:nvSpPr>
+          <p:cNvPr id="12" name="TextBox 11"/>
+          <p:cNvSpPr txBox="1"/>
+          <p:nvPr/>
+        </p:nvSpPr>
+        <p:spPr>
+          <a:xfrm>
+            <a:off x="10484195" y="2534508"/>
+            <a:ext cx="1396536" cy="369332"/>
+          </a:xfrm>
+          <a:prstGeom prst="rect">
+            <a:avLst/>
+          </a:prstGeom>
+          <a:noFill/>
+        </p:spPr>
+        <p:txBody>
+          <a:bodyPr wrap="none" rtlCol="0">
+            <a:spAutoFit/>
+          </a:bodyPr>
+          <a:lstStyle/>
+          <a:p>
+            <a:r>
+              <a:rPr lang="en-AU" dirty="0" smtClean="0"/>
+              <a:t>INSTITUTION</a:t>
+            </a:r>
+            <a:endParaRPr lang="en-AU" dirty="0" smtClean="0"/>
+          </a:p>
+        </p:txBody>
+      </p:sp>
     </p:spTree>
     <p:extLst>
       <p:ext uri="{BB962C8B-B14F-4D97-AF65-F5344CB8AC3E}">
